--- a/documents/online_store.pptx
+++ b/documents/online_store.pptx
@@ -9,13 +9,11 @@
     <p:sldId id="257" r:id="rId3"/>
     <p:sldId id="260" r:id="rId4"/>
     <p:sldId id="263" r:id="rId5"/>
-    <p:sldId id="264" r:id="rId6"/>
-    <p:sldId id="262" r:id="rId7"/>
-    <p:sldId id="265" r:id="rId8"/>
-    <p:sldId id="266" r:id="rId9"/>
-    <p:sldId id="261" r:id="rId10"/>
-    <p:sldId id="258" r:id="rId11"/>
-    <p:sldId id="259" r:id="rId12"/>
+    <p:sldId id="265" r:id="rId6"/>
+    <p:sldId id="266" r:id="rId7"/>
+    <p:sldId id="261" r:id="rId8"/>
+    <p:sldId id="258" r:id="rId9"/>
+    <p:sldId id="259" r:id="rId10"/>
   </p:sldIdLst>
   <p:sldSz cx="12192000" cy="6858000"/>
   <p:notesSz cx="6858000" cy="9144000"/>
@@ -290,7 +288,7 @@
           <a:p>
             <a:fld id="{5702068F-7570-482E-8EDC-16AF11645D19}" type="datetimeFigureOut">
               <a:rPr lang="ru-RU" smtClean="0"/>
-              <a:t>14.11.2021</a:t>
+              <a:t>27.04.2022</a:t>
             </a:fld>
             <a:endParaRPr lang="ru-RU"/>
           </a:p>
@@ -518,7 +516,7 @@
           <a:p>
             <a:fld id="{5702068F-7570-482E-8EDC-16AF11645D19}" type="datetimeFigureOut">
               <a:rPr lang="ru-RU" smtClean="0"/>
-              <a:t>14.11.2021</a:t>
+              <a:t>27.04.2022</a:t>
             </a:fld>
             <a:endParaRPr lang="ru-RU"/>
           </a:p>
@@ -698,7 +696,7 @@
           <a:p>
             <a:fld id="{5702068F-7570-482E-8EDC-16AF11645D19}" type="datetimeFigureOut">
               <a:rPr lang="ru-RU" smtClean="0"/>
-              <a:t>14.11.2021</a:t>
+              <a:t>27.04.2022</a:t>
             </a:fld>
             <a:endParaRPr lang="ru-RU"/>
           </a:p>
@@ -868,7 +866,7 @@
           <a:p>
             <a:fld id="{5702068F-7570-482E-8EDC-16AF11645D19}" type="datetimeFigureOut">
               <a:rPr lang="ru-RU" smtClean="0"/>
-              <a:t>14.11.2021</a:t>
+              <a:t>27.04.2022</a:t>
             </a:fld>
             <a:endParaRPr lang="ru-RU"/>
           </a:p>
@@ -1122,7 +1120,7 @@
           <a:p>
             <a:fld id="{5702068F-7570-482E-8EDC-16AF11645D19}" type="datetimeFigureOut">
               <a:rPr lang="ru-RU" smtClean="0"/>
-              <a:t>14.11.2021</a:t>
+              <a:t>27.04.2022</a:t>
             </a:fld>
             <a:endParaRPr lang="ru-RU"/>
           </a:p>
@@ -1448,7 +1446,7 @@
           <a:p>
             <a:fld id="{5702068F-7570-482E-8EDC-16AF11645D19}" type="datetimeFigureOut">
               <a:rPr lang="ru-RU" smtClean="0"/>
-              <a:t>14.11.2021</a:t>
+              <a:t>27.04.2022</a:t>
             </a:fld>
             <a:endParaRPr lang="ru-RU"/>
           </a:p>
@@ -1904,7 +1902,7 @@
           <a:p>
             <a:fld id="{5702068F-7570-482E-8EDC-16AF11645D19}" type="datetimeFigureOut">
               <a:rPr lang="ru-RU" smtClean="0"/>
-              <a:t>14.11.2021</a:t>
+              <a:t>27.04.2022</a:t>
             </a:fld>
             <a:endParaRPr lang="ru-RU"/>
           </a:p>
@@ -2027,7 +2025,7 @@
           <a:p>
             <a:fld id="{5702068F-7570-482E-8EDC-16AF11645D19}" type="datetimeFigureOut">
               <a:rPr lang="ru-RU" smtClean="0"/>
-              <a:t>14.11.2021</a:t>
+              <a:t>27.04.2022</a:t>
             </a:fld>
             <a:endParaRPr lang="ru-RU"/>
           </a:p>
@@ -2122,7 +2120,7 @@
           <a:p>
             <a:fld id="{5702068F-7570-482E-8EDC-16AF11645D19}" type="datetimeFigureOut">
               <a:rPr lang="ru-RU" smtClean="0"/>
-              <a:t>14.11.2021</a:t>
+              <a:t>27.04.2022</a:t>
             </a:fld>
             <a:endParaRPr lang="ru-RU"/>
           </a:p>
@@ -2409,7 +2407,7 @@
           <a:p>
             <a:fld id="{5702068F-7570-482E-8EDC-16AF11645D19}" type="datetimeFigureOut">
               <a:rPr lang="ru-RU" smtClean="0"/>
-              <a:t>14.11.2021</a:t>
+              <a:t>27.04.2022</a:t>
             </a:fld>
             <a:endParaRPr lang="ru-RU"/>
           </a:p>
@@ -2736,7 +2734,7 @@
           <a:p>
             <a:fld id="{5702068F-7570-482E-8EDC-16AF11645D19}" type="datetimeFigureOut">
               <a:rPr lang="ru-RU" smtClean="0"/>
-              <a:t>14.11.2021</a:t>
+              <a:t>27.04.2022</a:t>
             </a:fld>
             <a:endParaRPr lang="ru-RU"/>
           </a:p>
@@ -2990,7 +2988,7 @@
           <a:p>
             <a:fld id="{5702068F-7570-482E-8EDC-16AF11645D19}" type="datetimeFigureOut">
               <a:rPr lang="ru-RU" smtClean="0"/>
-              <a:t>14.11.2021</a:t>
+              <a:t>27.04.2022</a:t>
             </a:fld>
             <a:endParaRPr lang="ru-RU"/>
           </a:p>
@@ -3557,279 +3555,6 @@
 </p:sld>
 </file>
 
-<file path=ppt/slides/slide10.xml><?xml version="1.0" encoding="utf-8"?>
-<p:sld xmlns:a="http://schemas.openxmlformats.org/drawingml/2006/main" xmlns:r="http://schemas.openxmlformats.org/officeDocument/2006/relationships" xmlns:p="http://schemas.openxmlformats.org/presentationml/2006/main">
-  <p:cSld>
-    <p:spTree>
-      <p:nvGrpSpPr>
-        <p:cNvPr id="1" name=""/>
-        <p:cNvGrpSpPr/>
-        <p:nvPr/>
-      </p:nvGrpSpPr>
-      <p:grpSpPr>
-        <a:xfrm>
-          <a:off x="0" y="0"/>
-          <a:ext cx="0" cy="0"/>
-          <a:chOff x="0" y="0"/>
-          <a:chExt cx="0" cy="0"/>
-        </a:xfrm>
-      </p:grpSpPr>
-      <p:sp>
-        <p:nvSpPr>
-          <p:cNvPr id="2" name="Заголовок 1"/>
-          <p:cNvSpPr>
-            <a:spLocks noGrp="1"/>
-          </p:cNvSpPr>
-          <p:nvPr>
-            <p:ph type="title"/>
-          </p:nvPr>
-        </p:nvSpPr>
-        <p:spPr>
-          <a:xfrm>
-            <a:off x="886691" y="0"/>
-            <a:ext cx="9804585" cy="1303395"/>
-          </a:xfrm>
-        </p:spPr>
-        <p:txBody>
-          <a:bodyPr/>
-          <a:lstStyle/>
-          <a:p>
-            <a:r>
-              <a:rPr lang="ru-RU" dirty="0" smtClean="0"/>
-              <a:t>Изученные технологии</a:t>
-            </a:r>
-            <a:endParaRPr lang="ru-RU" dirty="0"/>
-          </a:p>
-        </p:txBody>
-      </p:sp>
-      <p:sp>
-        <p:nvSpPr>
-          <p:cNvPr id="3" name="Объект 2"/>
-          <p:cNvSpPr>
-            <a:spLocks noGrp="1"/>
-          </p:cNvSpPr>
-          <p:nvPr>
-            <p:ph idx="1"/>
-          </p:nvPr>
-        </p:nvSpPr>
-        <p:spPr>
-          <a:xfrm>
-            <a:off x="679982" y="1745673"/>
-            <a:ext cx="4418492" cy="4351337"/>
-          </a:xfrm>
-        </p:spPr>
-        <p:txBody>
-          <a:bodyPr/>
-          <a:lstStyle/>
-          <a:p>
-            <a:pPr marL="0" indent="0">
-              <a:buNone/>
-            </a:pPr>
-            <a:r>
-              <a:rPr lang="ru-RU" b="1" dirty="0" smtClean="0"/>
-              <a:t>В моем проекте использованы все изученные технологии, а именно работа с несколькими формами окон, таблицами </a:t>
-            </a:r>
-            <a:r>
-              <a:rPr lang="en-US" b="1" dirty="0" smtClean="0"/>
-              <a:t>SQL</a:t>
-            </a:r>
-            <a:r>
-              <a:rPr lang="ru-RU" b="1" dirty="0" smtClean="0"/>
-              <a:t>, файлами </a:t>
-            </a:r>
-            <a:r>
-              <a:rPr lang="en-US" b="1" dirty="0" smtClean="0"/>
-              <a:t>txt</a:t>
-            </a:r>
-            <a:r>
-              <a:rPr lang="ru-RU" b="1" dirty="0" smtClean="0"/>
-              <a:t>, использование изученных и других </a:t>
-            </a:r>
-            <a:r>
-              <a:rPr lang="ru-RU" b="1" dirty="0" err="1" smtClean="0"/>
-              <a:t>виджетов</a:t>
-            </a:r>
-            <a:r>
-              <a:rPr lang="ru-RU" b="1" dirty="0" smtClean="0"/>
-              <a:t>, диалоговые окна, картинки, а также создание </a:t>
-            </a:r>
-            <a:r>
-              <a:rPr lang="en-US" b="1" dirty="0" smtClean="0"/>
-              <a:t>exe </a:t>
-            </a:r>
-            <a:r>
-              <a:rPr lang="ru-RU" b="1" dirty="0" smtClean="0"/>
-              <a:t>расширения файла</a:t>
-            </a:r>
-            <a:endParaRPr lang="ru-RU" b="1" dirty="0"/>
-          </a:p>
-        </p:txBody>
-      </p:sp>
-      <p:pic>
-        <p:nvPicPr>
-          <p:cNvPr id="4" name="Рисунок 3"/>
-          <p:cNvPicPr>
-            <a:picLocks noChangeAspect="1"/>
-          </p:cNvPicPr>
-          <p:nvPr/>
-        </p:nvPicPr>
-        <p:blipFill>
-          <a:blip r:embed="rId2"/>
-          <a:stretch>
-            <a:fillRect/>
-          </a:stretch>
-        </p:blipFill>
-        <p:spPr>
-          <a:xfrm>
-            <a:off x="5221900" y="2452254"/>
-            <a:ext cx="5898865" cy="4045470"/>
-          </a:xfrm>
-          <a:prstGeom prst="rect">
-            <a:avLst/>
-          </a:prstGeom>
-        </p:spPr>
-      </p:pic>
-    </p:spTree>
-    <p:extLst>
-      <p:ext uri="{BB962C8B-B14F-4D97-AF65-F5344CB8AC3E}">
-        <p14:creationId xmlns:p14="http://schemas.microsoft.com/office/powerpoint/2010/main" val="1224060843"/>
-      </p:ext>
-    </p:extLst>
-  </p:cSld>
-  <p:clrMapOvr>
-    <a:masterClrMapping/>
-  </p:clrMapOvr>
-  <p:timing>
-    <p:tnLst>
-      <p:par>
-        <p:cTn id="1" dur="indefinite" restart="never" nodeType="tmRoot"/>
-      </p:par>
-    </p:tnLst>
-  </p:timing>
-</p:sld>
-</file>
-
-<file path=ppt/slides/slide11.xml><?xml version="1.0" encoding="utf-8"?>
-<p:sld xmlns:a="http://schemas.openxmlformats.org/drawingml/2006/main" xmlns:r="http://schemas.openxmlformats.org/officeDocument/2006/relationships" xmlns:p="http://schemas.openxmlformats.org/presentationml/2006/main">
-  <p:cSld>
-    <p:spTree>
-      <p:nvGrpSpPr>
-        <p:cNvPr id="1" name=""/>
-        <p:cNvGrpSpPr/>
-        <p:nvPr/>
-      </p:nvGrpSpPr>
-      <p:grpSpPr>
-        <a:xfrm>
-          <a:off x="0" y="0"/>
-          <a:ext cx="0" cy="0"/>
-          <a:chOff x="0" y="0"/>
-          <a:chExt cx="0" cy="0"/>
-        </a:xfrm>
-      </p:grpSpPr>
-      <p:sp>
-        <p:nvSpPr>
-          <p:cNvPr id="2" name="Заголовок 1"/>
-          <p:cNvSpPr>
-            <a:spLocks noGrp="1"/>
-          </p:cNvSpPr>
-          <p:nvPr>
-            <p:ph type="title"/>
-          </p:nvPr>
-        </p:nvSpPr>
-        <p:spPr/>
-        <p:txBody>
-          <a:bodyPr/>
-          <a:lstStyle/>
-          <a:p>
-            <a:r>
-              <a:rPr lang="ru-RU" dirty="0" smtClean="0"/>
-              <a:t>Заключение	</a:t>
-            </a:r>
-            <a:endParaRPr lang="ru-RU" dirty="0"/>
-          </a:p>
-        </p:txBody>
-      </p:sp>
-      <p:sp>
-        <p:nvSpPr>
-          <p:cNvPr id="3" name="Объект 2"/>
-          <p:cNvSpPr>
-            <a:spLocks noGrp="1"/>
-          </p:cNvSpPr>
-          <p:nvPr>
-            <p:ph idx="1"/>
-          </p:nvPr>
-        </p:nvSpPr>
-        <p:spPr/>
-        <p:txBody>
-          <a:bodyPr/>
-          <a:lstStyle/>
-          <a:p>
-            <a:r>
-              <a:rPr lang="ru-RU" b="1" dirty="0" smtClean="0"/>
-              <a:t>В процессе создания проекта я повторил </a:t>
-            </a:r>
-            <a:r>
-              <a:rPr lang="ru-RU" b="1" dirty="0"/>
-              <a:t>изученное </a:t>
-            </a:r>
-            <a:r>
-              <a:rPr lang="ru-RU" b="1" dirty="0" smtClean="0"/>
-              <a:t>ранее, научился работать с новыми </a:t>
-            </a:r>
-            <a:r>
-              <a:rPr lang="ru-RU" b="1" dirty="0" err="1" smtClean="0"/>
-              <a:t>виджетами</a:t>
-            </a:r>
-            <a:r>
-              <a:rPr lang="ru-RU" b="1" dirty="0" smtClean="0"/>
-              <a:t>, создавать дизайн приложения, структуру проекта. </a:t>
-            </a:r>
-          </a:p>
-          <a:p>
-            <a:r>
-              <a:rPr lang="ru-RU" b="1" dirty="0" smtClean="0"/>
-              <a:t>В будущем я бы хотел создавать более сложные структуры баз данных, использовать </a:t>
-            </a:r>
-            <a:r>
-              <a:rPr lang="ru-RU" b="1" dirty="0" smtClean="0"/>
-              <a:t>новые </a:t>
-            </a:r>
-            <a:r>
-              <a:rPr lang="ru-RU" b="1" dirty="0" err="1" smtClean="0"/>
-              <a:t>виджеты</a:t>
-            </a:r>
-            <a:r>
-              <a:rPr lang="ru-RU" b="1" dirty="0" smtClean="0"/>
-              <a:t> </a:t>
-            </a:r>
-            <a:r>
-              <a:rPr lang="ru-RU" b="1" dirty="0" smtClean="0"/>
-              <a:t>и строить еще более сложную структуру проекта, разделённую на классы и функции.</a:t>
-            </a:r>
-            <a:endParaRPr lang="ru-RU" b="1" dirty="0"/>
-          </a:p>
-        </p:txBody>
-      </p:sp>
-    </p:spTree>
-    <p:extLst>
-      <p:ext uri="{BB962C8B-B14F-4D97-AF65-F5344CB8AC3E}">
-        <p14:creationId xmlns:p14="http://schemas.microsoft.com/office/powerpoint/2010/main" val="4142450817"/>
-      </p:ext>
-    </p:extLst>
-  </p:cSld>
-  <p:clrMapOvr>
-    <a:masterClrMapping/>
-  </p:clrMapOvr>
-  <p:timing>
-    <p:tnLst>
-      <p:par>
-        <p:cTn id="1" dur="indefinite" restart="never" nodeType="tmRoot"/>
-      </p:par>
-    </p:tnLst>
-  </p:timing>
-</p:sld>
-</file>
-
 <file path=ppt/slides/slide2.xml><?xml version="1.0" encoding="utf-8"?>
 <p:sld xmlns:a="http://schemas.openxmlformats.org/drawingml/2006/main" xmlns:r="http://schemas.openxmlformats.org/officeDocument/2006/relationships" xmlns:p="http://schemas.openxmlformats.org/presentationml/2006/main">
   <p:cSld>
@@ -3859,8 +3584,8 @@
         </p:nvSpPr>
         <p:spPr>
           <a:xfrm>
-            <a:off x="1026345" y="282633"/>
-            <a:ext cx="9692640" cy="1325562"/>
+            <a:off x="6262255" y="282633"/>
+            <a:ext cx="4456730" cy="1325562"/>
           </a:xfrm>
         </p:spPr>
         <p:txBody>
@@ -3887,7 +3612,7 @@
         </p:nvSpPr>
         <p:spPr>
           <a:xfrm>
-            <a:off x="569144" y="1939636"/>
+            <a:off x="5653762" y="1938712"/>
             <a:ext cx="5457583" cy="4351337"/>
           </a:xfrm>
         </p:spPr>
@@ -3905,19 +3630,13 @@
             </a:r>
             <a:r>
               <a:rPr lang="ru-RU" b="1" dirty="0" smtClean="0"/>
-              <a:t>- создание </a:t>
-            </a:r>
-            <a:r>
-              <a:rPr lang="ru-RU" b="1" dirty="0"/>
-              <a:t>оконного приложения (с помощью библиотека PyQt5), </a:t>
-            </a:r>
-            <a:r>
-              <a:rPr lang="ru-RU" b="1" dirty="0" smtClean="0"/>
-              <a:t>реализующего </a:t>
-            </a:r>
-            <a:r>
-              <a:rPr lang="ru-RU" b="1" dirty="0"/>
-              <a:t>работу интернет магазина</a:t>
+              <a:t>– вебсайта для интернет магазина с использованием библиотеки</a:t>
+            </a:r>
+          </a:p>
+          <a:p>
+            <a:r>
+              <a:rPr lang="en-US" b="1" dirty="0" smtClean="0"/>
+              <a:t>Flask</a:t>
             </a:r>
             <a:r>
               <a:rPr lang="ru-RU" b="1" dirty="0" smtClean="0"/>
@@ -3942,28 +3661,22 @@
       </p:sp>
       <p:pic>
         <p:nvPicPr>
-          <p:cNvPr id="6" name="Рисунок 5"/>
+          <p:cNvPr id="4" name="Рисунок 3"/>
           <p:cNvPicPr>
             <a:picLocks noChangeAspect="1"/>
           </p:cNvPicPr>
           <p:nvPr/>
         </p:nvPicPr>
         <p:blipFill>
-          <a:blip r:embed="rId2">
-            <a:extLst>
-              <a:ext uri="{28A0092B-C50C-407E-A947-70E740481C1C}">
-                <a14:useLocalDpi xmlns:a14="http://schemas.microsoft.com/office/drawing/2010/main" val="0"/>
-              </a:ext>
-            </a:extLst>
-          </a:blip>
+          <a:blip r:embed="rId2"/>
           <a:stretch>
             <a:fillRect/>
           </a:stretch>
         </p:blipFill>
         <p:spPr>
           <a:xfrm>
-            <a:off x="5860473" y="2919945"/>
-            <a:ext cx="5417736" cy="3070051"/>
+            <a:off x="123029" y="1084207"/>
+            <a:ext cx="5210971" cy="5004782"/>
           </a:xfrm>
           <a:prstGeom prst="rect">
             <a:avLst/>
@@ -4056,46 +3769,69 @@
           <a:p>
             <a:r>
               <a:rPr lang="ru-RU" b="1" dirty="0"/>
-              <a:t>Структура проекта реализована с помощь 4 классов. </a:t>
-            </a:r>
-            <a:endParaRPr lang="ru-RU" b="1" dirty="0" smtClean="0"/>
-          </a:p>
-          <a:p>
+              <a:t>Структура </a:t>
+            </a:r>
             <a:r>
               <a:rPr lang="ru-RU" b="1" dirty="0" smtClean="0"/>
-              <a:t>Первый </a:t>
+              <a:t>проекта</a:t>
+            </a:r>
+            <a:r>
+              <a:rPr lang="en-US" b="1" dirty="0" smtClean="0"/>
+              <a:t> </a:t>
             </a:r>
             <a:r>
               <a:rPr lang="ru-RU" b="1" dirty="0" smtClean="0"/>
-              <a:t>класс реализует регистрацию и авторизацию в приложении</a:t>
+              <a:t>с помощью функций, шаблонов </a:t>
+            </a:r>
+            <a:r>
+              <a:rPr lang="en-US" b="1" dirty="0" smtClean="0"/>
+              <a:t>html</a:t>
+            </a:r>
+            <a:r>
+              <a:rPr lang="ru-RU" b="1" dirty="0" smtClean="0"/>
+              <a:t>, классов </a:t>
+            </a:r>
+            <a:r>
+              <a:rPr lang="en-US" b="1" dirty="0" err="1" smtClean="0"/>
+              <a:t>Sqlalchemy</a:t>
+            </a:r>
+            <a:r>
+              <a:rPr lang="ru-RU" b="1" dirty="0"/>
+              <a:t> </a:t>
+            </a:r>
+            <a:r>
+              <a:rPr lang="ru-RU" b="1" dirty="0" smtClean="0"/>
+              <a:t>и шаблонов </a:t>
+            </a:r>
+            <a:r>
+              <a:rPr lang="en-US" b="1" dirty="0" err="1" smtClean="0"/>
+              <a:t>FlaskForm</a:t>
+            </a:r>
+            <a:r>
+              <a:rPr lang="ru-RU" b="1" dirty="0" smtClean="0"/>
+              <a:t>. </a:t>
             </a:r>
           </a:p>
         </p:txBody>
       </p:sp>
       <p:pic>
         <p:nvPicPr>
-          <p:cNvPr id="4" name="Рисунок 3"/>
+          <p:cNvPr id="5" name="Рисунок 4"/>
           <p:cNvPicPr>
             <a:picLocks noChangeAspect="1"/>
           </p:cNvPicPr>
           <p:nvPr/>
         </p:nvPicPr>
         <p:blipFill>
-          <a:blip r:embed="rId2">
-            <a:extLst>
-              <a:ext uri="{28A0092B-C50C-407E-A947-70E740481C1C}">
-                <a14:useLocalDpi xmlns:a14="http://schemas.microsoft.com/office/drawing/2010/main" val="0"/>
-              </a:ext>
-            </a:extLst>
-          </a:blip>
+          <a:blip r:embed="rId2"/>
           <a:stretch>
             <a:fillRect/>
           </a:stretch>
         </p:blipFill>
         <p:spPr>
           <a:xfrm>
-            <a:off x="6165272" y="1728310"/>
-            <a:ext cx="4551049" cy="4023724"/>
+            <a:off x="6161092" y="662781"/>
+            <a:ext cx="4391638" cy="5115639"/>
           </a:xfrm>
           <a:prstGeom prst="rect">
             <a:avLst/>
@@ -4187,9 +3923,20 @@
           <a:bodyPr/>
           <a:lstStyle/>
           <a:p>
+            <a:pPr marL="0" indent="0">
+              <a:buNone/>
+            </a:pPr>
             <a:r>
               <a:rPr lang="ru-RU" b="1" dirty="0" smtClean="0"/>
-              <a:t>Второй класс отвечает за отображение каталога товаров и добавления их в корзину. </a:t>
+              <a:t>В моем проекте используется 1 основной шаблон меню, к которому подключены несколько </a:t>
+            </a:r>
+            <a:r>
+              <a:rPr lang="en-US" b="1" dirty="0" smtClean="0"/>
+              <a:t>html</a:t>
+            </a:r>
+            <a:r>
+              <a:rPr lang="ru-RU" b="1" dirty="0" smtClean="0"/>
+              <a:t> файлов. </a:t>
             </a:r>
             <a:endParaRPr lang="ru-RU" b="1" dirty="0"/>
           </a:p>
@@ -4197,34 +3944,100 @@
       </p:sp>
       <p:pic>
         <p:nvPicPr>
-          <p:cNvPr id="4" name="Рисунок 3"/>
+          <p:cNvPr id="5" name="Рисунок 4"/>
           <p:cNvPicPr>
             <a:picLocks noChangeAspect="1"/>
           </p:cNvPicPr>
           <p:nvPr/>
         </p:nvPicPr>
         <p:blipFill>
-          <a:blip r:embed="rId2">
-            <a:extLst>
-              <a:ext uri="{28A0092B-C50C-407E-A947-70E740481C1C}">
-                <a14:useLocalDpi xmlns:a14="http://schemas.microsoft.com/office/drawing/2010/main" val="0"/>
-              </a:ext>
-            </a:extLst>
-          </a:blip>
+          <a:blip r:embed="rId2"/>
           <a:stretch>
             <a:fillRect/>
           </a:stretch>
         </p:blipFill>
         <p:spPr>
           <a:xfrm>
-            <a:off x="6497310" y="828628"/>
-            <a:ext cx="4418671" cy="5214031"/>
+            <a:off x="406087" y="3059013"/>
+            <a:ext cx="10374382" cy="487751"/>
           </a:xfrm>
           <a:prstGeom prst="rect">
             <a:avLst/>
           </a:prstGeom>
         </p:spPr>
       </p:pic>
+      <p:pic>
+        <p:nvPicPr>
+          <p:cNvPr id="6" name="Рисунок 5"/>
+          <p:cNvPicPr>
+            <a:picLocks noChangeAspect="1"/>
+          </p:cNvPicPr>
+          <p:nvPr/>
+        </p:nvPicPr>
+        <p:blipFill>
+          <a:blip r:embed="rId3"/>
+          <a:stretch>
+            <a:fillRect/>
+          </a:stretch>
+        </p:blipFill>
+        <p:spPr>
+          <a:xfrm>
+            <a:off x="633424" y="4317570"/>
+            <a:ext cx="10147045" cy="1193770"/>
+          </a:xfrm>
+          <a:prstGeom prst="rect">
+            <a:avLst/>
+          </a:prstGeom>
+        </p:spPr>
+      </p:pic>
+      <p:sp>
+        <p:nvSpPr>
+          <p:cNvPr id="7" name="Прямоугольник 6"/>
+          <p:cNvSpPr/>
+          <p:nvPr/>
+        </p:nvSpPr>
+        <p:spPr>
+          <a:xfrm>
+            <a:off x="8894618" y="5043055"/>
+            <a:ext cx="2036618" cy="468285"/>
+          </a:xfrm>
+          <a:prstGeom prst="rect">
+            <a:avLst/>
+          </a:prstGeom>
+          <a:solidFill>
+            <a:schemeClr val="bg1"/>
+          </a:solidFill>
+          <a:ln>
+            <a:solidFill>
+              <a:schemeClr val="bg1"/>
+            </a:solidFill>
+          </a:ln>
+        </p:spPr>
+        <p:style>
+          <a:lnRef idx="2">
+            <a:schemeClr val="accent1">
+              <a:shade val="50000"/>
+            </a:schemeClr>
+          </a:lnRef>
+          <a:fillRef idx="1">
+            <a:schemeClr val="accent1"/>
+          </a:fillRef>
+          <a:effectRef idx="0">
+            <a:schemeClr val="accent1"/>
+          </a:effectRef>
+          <a:fontRef idx="minor">
+            <a:schemeClr val="lt1"/>
+          </a:fontRef>
+        </p:style>
+        <p:txBody>
+          <a:bodyPr rtlCol="0" anchor="ctr"/>
+          <a:lstStyle/>
+          <a:p>
+            <a:pPr algn="ctr"/>
+            <a:endParaRPr lang="ru-RU"/>
+          </a:p>
+        </p:txBody>
+      </p:sp>
     </p:spTree>
     <p:extLst>
       <p:ext uri="{BB962C8B-B14F-4D97-AF65-F5344CB8AC3E}">
@@ -4274,7 +4087,7 @@
         </p:nvSpPr>
         <p:spPr>
           <a:xfrm>
-            <a:off x="713232" y="-106362"/>
+            <a:off x="713232" y="0"/>
             <a:ext cx="9692640" cy="1325562"/>
           </a:xfrm>
         </p:spPr>
@@ -4284,7 +4097,7 @@
           <a:p>
             <a:r>
               <a:rPr lang="ru-RU" dirty="0" smtClean="0"/>
-              <a:t>Реализация</a:t>
+              <a:t>Базы данных</a:t>
             </a:r>
             <a:endParaRPr lang="ru-RU" dirty="0"/>
           </a:p>
@@ -4302,8 +4115,8 @@
         </p:nvSpPr>
         <p:spPr>
           <a:xfrm>
-            <a:off x="713232" y="1510145"/>
-            <a:ext cx="4273999" cy="4351337"/>
+            <a:off x="713232" y="1634837"/>
+            <a:ext cx="4751000" cy="4351337"/>
           </a:xfrm>
         </p:spPr>
         <p:txBody>
@@ -4312,7 +4125,7 @@
           <a:p>
             <a:r>
               <a:rPr lang="ru-RU" b="1" dirty="0" smtClean="0"/>
-              <a:t>Третий класс реализует отображение корзины товаров. </a:t>
+              <a:t>Для работы моего приложения используется база данных, в которой находятся 4 таблицы. </a:t>
             </a:r>
             <a:endParaRPr lang="ru-RU" b="1" dirty="0"/>
           </a:p>
@@ -4320,38 +4133,85 @@
       </p:sp>
       <p:pic>
         <p:nvPicPr>
-          <p:cNvPr id="4" name="Рисунок 3"/>
+          <p:cNvPr id="5" name="Рисунок 4"/>
           <p:cNvPicPr>
             <a:picLocks noChangeAspect="1"/>
           </p:cNvPicPr>
           <p:nvPr/>
         </p:nvPicPr>
         <p:blipFill>
-          <a:blip r:embed="rId2">
-            <a:extLst>
-              <a:ext uri="{28A0092B-C50C-407E-A947-70E740481C1C}">
-                <a14:useLocalDpi xmlns:a14="http://schemas.microsoft.com/office/drawing/2010/main" val="0"/>
-              </a:ext>
-            </a:extLst>
-          </a:blip>
+          <a:blip r:embed="rId2"/>
           <a:stretch>
             <a:fillRect/>
           </a:stretch>
         </p:blipFill>
         <p:spPr>
           <a:xfrm>
-            <a:off x="4295015" y="3408218"/>
-            <a:ext cx="6110857" cy="2453264"/>
+            <a:off x="1075786" y="3477996"/>
+            <a:ext cx="4025892" cy="2238463"/>
           </a:xfrm>
           <a:prstGeom prst="rect">
             <a:avLst/>
           </a:prstGeom>
         </p:spPr>
       </p:pic>
+      <p:pic>
+        <p:nvPicPr>
+          <p:cNvPr id="6" name="Рисунок 5"/>
+          <p:cNvPicPr>
+            <a:picLocks noChangeAspect="1"/>
+          </p:cNvPicPr>
+          <p:nvPr/>
+        </p:nvPicPr>
+        <p:blipFill>
+          <a:blip r:embed="rId3"/>
+          <a:stretch>
+            <a:fillRect/>
+          </a:stretch>
+        </p:blipFill>
+        <p:spPr>
+          <a:xfrm>
+            <a:off x="6981425" y="3477996"/>
+            <a:ext cx="2815564" cy="2270141"/>
+          </a:xfrm>
+          <a:prstGeom prst="rect">
+            <a:avLst/>
+          </a:prstGeom>
+        </p:spPr>
+      </p:pic>
+      <p:sp>
+        <p:nvSpPr>
+          <p:cNvPr id="7" name="Прямоугольник 6"/>
+          <p:cNvSpPr/>
+          <p:nvPr/>
+        </p:nvSpPr>
+        <p:spPr>
+          <a:xfrm>
+            <a:off x="7125428" y="2607025"/>
+            <a:ext cx="712054" cy="369332"/>
+          </a:xfrm>
+          <a:prstGeom prst="rect">
+            <a:avLst/>
+          </a:prstGeom>
+        </p:spPr>
+        <p:txBody>
+          <a:bodyPr wrap="none">
+            <a:spAutoFit/>
+          </a:bodyPr>
+          <a:lstStyle/>
+          <a:p>
+            <a:r>
+              <a:rPr lang="en-US" b="1" dirty="0"/>
+              <a:t>user</a:t>
+            </a:r>
+            <a:endParaRPr lang="ru-RU" b="1" dirty="0"/>
+          </a:p>
+        </p:txBody>
+      </p:sp>
     </p:spTree>
     <p:extLst>
       <p:ext uri="{BB962C8B-B14F-4D97-AF65-F5344CB8AC3E}">
-        <p14:creationId xmlns:p14="http://schemas.microsoft.com/office/powerpoint/2010/main" val="3571273922"/>
+        <p14:creationId xmlns:p14="http://schemas.microsoft.com/office/powerpoint/2010/main" val="664733717"/>
       </p:ext>
     </p:extLst>
   </p:cSld>
@@ -4397,18 +4257,19 @@
         </p:nvSpPr>
         <p:spPr>
           <a:xfrm>
-            <a:off x="501536" y="0"/>
-            <a:ext cx="9692640" cy="1325562"/>
-          </a:xfrm>
-        </p:spPr>
-        <p:txBody>
-          <a:bodyPr/>
-          <a:lstStyle/>
-          <a:p>
-            <a:r>
-              <a:rPr lang="ru-RU" dirty="0"/>
-              <a:t>Реализация</a:t>
-            </a:r>
+            <a:off x="707690" y="16918"/>
+            <a:ext cx="9692640" cy="1130448"/>
+          </a:xfrm>
+        </p:spPr>
+        <p:txBody>
+          <a:bodyPr/>
+          <a:lstStyle/>
+          <a:p>
+            <a:r>
+              <a:rPr lang="ru-RU" dirty="0" smtClean="0"/>
+              <a:t>Базы данных</a:t>
+            </a:r>
+            <a:endParaRPr lang="ru-RU" dirty="0"/>
           </a:p>
         </p:txBody>
       </p:sp>
@@ -4424,25 +4285,113 @@
         </p:nvSpPr>
         <p:spPr>
           <a:xfrm>
-            <a:off x="762001" y="1580048"/>
-            <a:ext cx="4405746" cy="4488815"/>
-          </a:xfrm>
-        </p:spPr>
-        <p:txBody>
-          <a:bodyPr/>
-          <a:lstStyle/>
-          <a:p>
-            <a:r>
-              <a:rPr lang="ru-RU" b="1" dirty="0" smtClean="0"/>
-              <a:t>Четвертый </a:t>
-            </a:r>
+            <a:off x="707690" y="1342480"/>
+            <a:ext cx="4543183" cy="4488174"/>
+          </a:xfrm>
+        </p:spPr>
+        <p:txBody>
+          <a:bodyPr/>
+          <a:lstStyle/>
+          <a:p>
             <a:r>
               <a:rPr lang="ru-RU" b="1" dirty="0"/>
-              <a:t>класс реализует </a:t>
-            </a:r>
-            <a:r>
-              <a:rPr lang="ru-RU" b="1" dirty="0" smtClean="0"/>
-              <a:t>отображение формы оплаты товаров из корзины. </a:t>
+              <a:t>Две из них отвечают за хранение данных пользователей и информации о товарах. Две остальные за хранение данных о заказах.</a:t>
+            </a:r>
+            <a:r>
+              <a:rPr lang="en-US" b="1" dirty="0"/>
+              <a:t> </a:t>
+            </a:r>
+            <a:r>
+              <a:rPr lang="ru-RU" b="1" dirty="0"/>
+              <a:t>Таблица </a:t>
+            </a:r>
+            <a:r>
+              <a:rPr lang="en-US" b="1" dirty="0" err="1" smtClean="0"/>
+              <a:t>orders_items</a:t>
+            </a:r>
+            <a:r>
+              <a:rPr lang="en-US" b="1" dirty="0" smtClean="0"/>
+              <a:t> </a:t>
+            </a:r>
+            <a:r>
+              <a:rPr lang="ru-RU" b="1" dirty="0"/>
+              <a:t>связана сразу с двумя таблицами – </a:t>
+            </a:r>
+            <a:r>
+              <a:rPr lang="en-US" b="1" dirty="0" smtClean="0"/>
+              <a:t>products </a:t>
+            </a:r>
+            <a:r>
+              <a:rPr lang="ru-RU" b="1" dirty="0"/>
+              <a:t>и </a:t>
+            </a:r>
+            <a:r>
+              <a:rPr lang="en-US" b="1" dirty="0"/>
+              <a:t>orders</a:t>
+            </a:r>
+            <a:r>
+              <a:rPr lang="ru-RU" b="1" dirty="0"/>
+              <a:t>.</a:t>
+            </a:r>
+          </a:p>
+          <a:p>
+            <a:endParaRPr lang="ru-RU" dirty="0"/>
+          </a:p>
+        </p:txBody>
+      </p:sp>
+      <p:sp>
+        <p:nvSpPr>
+          <p:cNvPr id="9" name="Прямоугольник 8"/>
+          <p:cNvSpPr/>
+          <p:nvPr/>
+        </p:nvSpPr>
+        <p:spPr>
+          <a:xfrm>
+            <a:off x="6769634" y="778034"/>
+            <a:ext cx="1253869" cy="369332"/>
+          </a:xfrm>
+          <a:prstGeom prst="rect">
+            <a:avLst/>
+          </a:prstGeom>
+        </p:spPr>
+        <p:txBody>
+          <a:bodyPr wrap="none">
+            <a:spAutoFit/>
+          </a:bodyPr>
+          <a:lstStyle/>
+          <a:p>
+            <a:r>
+              <a:rPr lang="en-US" b="1" dirty="0" smtClean="0"/>
+              <a:t>products</a:t>
+            </a:r>
+            <a:endParaRPr lang="ru-RU" b="1" dirty="0"/>
+          </a:p>
+        </p:txBody>
+      </p:sp>
+      <p:sp>
+        <p:nvSpPr>
+          <p:cNvPr id="10" name="Прямоугольник 9"/>
+          <p:cNvSpPr/>
+          <p:nvPr/>
+        </p:nvSpPr>
+        <p:spPr>
+          <a:xfrm>
+            <a:off x="6645224" y="3991260"/>
+            <a:ext cx="968535" cy="369332"/>
+          </a:xfrm>
+          <a:prstGeom prst="rect">
+            <a:avLst/>
+          </a:prstGeom>
+        </p:spPr>
+        <p:txBody>
+          <a:bodyPr wrap="none">
+            <a:spAutoFit/>
+          </a:bodyPr>
+          <a:lstStyle/>
+          <a:p>
+            <a:r>
+              <a:rPr lang="en-US" b="1" dirty="0"/>
+              <a:t>orders</a:t>
             </a:r>
             <a:endParaRPr lang="ru-RU" b="1" dirty="0"/>
           </a:p>
@@ -4450,28 +4399,99 @@
       </p:sp>
       <p:pic>
         <p:nvPicPr>
-          <p:cNvPr id="5" name="Рисунок 4"/>
+          <p:cNvPr id="6" name="Рисунок 5"/>
           <p:cNvPicPr>
             <a:picLocks noChangeAspect="1"/>
           </p:cNvPicPr>
           <p:nvPr/>
         </p:nvPicPr>
         <p:blipFill>
-          <a:blip r:embed="rId2">
-            <a:extLst>
-              <a:ext uri="{28A0092B-C50C-407E-A947-70E740481C1C}">
-                <a14:useLocalDpi xmlns:a14="http://schemas.microsoft.com/office/drawing/2010/main" val="0"/>
-              </a:ext>
-            </a:extLst>
-          </a:blip>
+          <a:blip r:embed="rId2"/>
           <a:stretch>
             <a:fillRect/>
           </a:stretch>
         </p:blipFill>
         <p:spPr>
           <a:xfrm>
-            <a:off x="5658193" y="1982461"/>
-            <a:ext cx="5185483" cy="3683990"/>
+            <a:off x="6645224" y="4459502"/>
+            <a:ext cx="3622683" cy="1786974"/>
+          </a:xfrm>
+          <a:prstGeom prst="rect">
+            <a:avLst/>
+          </a:prstGeom>
+        </p:spPr>
+      </p:pic>
+      <p:pic>
+        <p:nvPicPr>
+          <p:cNvPr id="11" name="Рисунок 10"/>
+          <p:cNvPicPr>
+            <a:picLocks noChangeAspect="1"/>
+          </p:cNvPicPr>
+          <p:nvPr/>
+        </p:nvPicPr>
+        <p:blipFill>
+          <a:blip r:embed="rId3"/>
+          <a:stretch>
+            <a:fillRect/>
+          </a:stretch>
+        </p:blipFill>
+        <p:spPr>
+          <a:xfrm>
+            <a:off x="6645224" y="1282765"/>
+            <a:ext cx="3539561" cy="2299968"/>
+          </a:xfrm>
+          <a:prstGeom prst="rect">
+            <a:avLst/>
+          </a:prstGeom>
+        </p:spPr>
+      </p:pic>
+      <p:sp>
+        <p:nvSpPr>
+          <p:cNvPr id="15" name="Прямоугольник 14"/>
+          <p:cNvSpPr/>
+          <p:nvPr/>
+        </p:nvSpPr>
+        <p:spPr>
+          <a:xfrm>
+            <a:off x="1241305" y="4155853"/>
+            <a:ext cx="1737976" cy="369332"/>
+          </a:xfrm>
+          <a:prstGeom prst="rect">
+            <a:avLst/>
+          </a:prstGeom>
+        </p:spPr>
+        <p:txBody>
+          <a:bodyPr wrap="none">
+            <a:spAutoFit/>
+          </a:bodyPr>
+          <a:lstStyle/>
+          <a:p>
+            <a:r>
+              <a:rPr lang="en-US" b="1" dirty="0" err="1"/>
+              <a:t>orders_items</a:t>
+            </a:r>
+            <a:endParaRPr lang="ru-RU" dirty="0"/>
+          </a:p>
+        </p:txBody>
+      </p:sp>
+      <p:pic>
+        <p:nvPicPr>
+          <p:cNvPr id="16" name="Рисунок 15"/>
+          <p:cNvPicPr>
+            <a:picLocks noChangeAspect="1"/>
+          </p:cNvPicPr>
+          <p:nvPr/>
+        </p:nvPicPr>
+        <p:blipFill>
+          <a:blip r:embed="rId4"/>
+          <a:stretch>
+            <a:fillRect/>
+          </a:stretch>
+        </p:blipFill>
+        <p:spPr>
+          <a:xfrm>
+            <a:off x="1241305" y="4767167"/>
+            <a:ext cx="2517125" cy="1716222"/>
           </a:xfrm>
           <a:prstGeom prst="rect">
             <a:avLst/>
@@ -4481,7 +4501,7 @@
     </p:spTree>
     <p:extLst>
       <p:ext uri="{BB962C8B-B14F-4D97-AF65-F5344CB8AC3E}">
-        <p14:creationId xmlns:p14="http://schemas.microsoft.com/office/powerpoint/2010/main" val="2423215513"/>
+        <p14:creationId xmlns:p14="http://schemas.microsoft.com/office/powerpoint/2010/main" val="1689927644"/>
       </p:ext>
     </p:extLst>
   </p:cSld>
@@ -4527,7 +4547,7 @@
         </p:nvSpPr>
         <p:spPr>
           <a:xfrm>
-            <a:off x="713232" y="0"/>
+            <a:off x="693835" y="0"/>
             <a:ext cx="9692640" cy="1325562"/>
           </a:xfrm>
         </p:spPr>
@@ -4537,7 +4557,7 @@
           <a:p>
             <a:r>
               <a:rPr lang="ru-RU" dirty="0" smtClean="0"/>
-              <a:t>Базы данных</a:t>
+              <a:t>Особенности моего проекта</a:t>
             </a:r>
             <a:endParaRPr lang="ru-RU" dirty="0"/>
           </a:p>
@@ -4555,50 +4575,60 @@
         </p:nvSpPr>
         <p:spPr>
           <a:xfrm>
-            <a:off x="713232" y="1634837"/>
-            <a:ext cx="4751000" cy="4351337"/>
-          </a:xfrm>
-        </p:spPr>
-        <p:txBody>
-          <a:bodyPr/>
-          <a:lstStyle/>
-          <a:p>
+            <a:off x="693835" y="1676400"/>
+            <a:ext cx="5138928" cy="4351337"/>
+          </a:xfrm>
+        </p:spPr>
+        <p:txBody>
+          <a:bodyPr/>
+          <a:lstStyle/>
+          <a:p>
+            <a:r>
+              <a:rPr lang="ru-RU" b="1" dirty="0"/>
+              <a:t>Особенностью моего проекта является красивый дизайн </a:t>
+            </a:r>
             <a:r>
               <a:rPr lang="ru-RU" b="1" dirty="0" smtClean="0"/>
-              <a:t>Для работы моего приложения используется база данных, в которой находятся 4 таблицы. </a:t>
-            </a:r>
-            <a:endParaRPr lang="ru-RU" b="1" dirty="0"/>
-          </a:p>
-        </p:txBody>
-      </p:sp>
-      <p:pic>
-        <p:nvPicPr>
-          <p:cNvPr id="4" name="Рисунок 3"/>
-          <p:cNvPicPr>
-            <a:picLocks noChangeAspect="1"/>
-          </p:cNvPicPr>
-          <p:nvPr/>
-        </p:nvPicPr>
-        <p:blipFill>
-          <a:blip r:embed="rId2"/>
-          <a:stretch>
-            <a:fillRect/>
-          </a:stretch>
-        </p:blipFill>
-        <p:spPr>
-          <a:xfrm>
-            <a:off x="5014987" y="3172691"/>
-            <a:ext cx="4873385" cy="2290907"/>
-          </a:xfrm>
-          <a:prstGeom prst="rect">
-            <a:avLst/>
-          </a:prstGeom>
-        </p:spPr>
-      </p:pic>
+              <a:t>вебсайта реализованный с помощью компонентов </a:t>
+            </a:r>
+            <a:r>
+              <a:rPr lang="en-US" b="1" dirty="0" smtClean="0"/>
+              <a:t>Bootstrap</a:t>
+            </a:r>
+            <a:r>
+              <a:rPr lang="ru-RU" b="1" dirty="0" smtClean="0"/>
+              <a:t>, </a:t>
+            </a:r>
+            <a:r>
+              <a:rPr lang="ru-RU" b="1" dirty="0"/>
+              <a:t>работа сразу с несколькими </a:t>
+            </a:r>
+            <a:r>
+              <a:rPr lang="ru-RU" b="1" dirty="0" smtClean="0"/>
+              <a:t>таблицами баз </a:t>
+            </a:r>
+            <a:r>
+              <a:rPr lang="ru-RU" b="1" dirty="0"/>
+              <a:t>данных </a:t>
+            </a:r>
+            <a:r>
+              <a:rPr lang="en-US" b="1" dirty="0"/>
+              <a:t>SQL</a:t>
+            </a:r>
+            <a:r>
+              <a:rPr lang="ru-RU" b="1" dirty="0"/>
+              <a:t>, которые связаны между собой. </a:t>
+            </a:r>
+          </a:p>
+          <a:p>
+            <a:endParaRPr lang="ru-RU" dirty="0"/>
+          </a:p>
+        </p:txBody>
+      </p:sp>
     </p:spTree>
     <p:extLst>
       <p:ext uri="{BB962C8B-B14F-4D97-AF65-F5344CB8AC3E}">
-        <p14:creationId xmlns:p14="http://schemas.microsoft.com/office/powerpoint/2010/main" val="664733717"/>
+        <p14:creationId xmlns:p14="http://schemas.microsoft.com/office/powerpoint/2010/main" val="2659084810"/>
       </p:ext>
     </p:extLst>
   </p:cSld>
@@ -4644,8 +4674,8 @@
         </p:nvSpPr>
         <p:spPr>
           <a:xfrm>
-            <a:off x="707690" y="16918"/>
-            <a:ext cx="9692640" cy="1325562"/>
+            <a:off x="886691" y="0"/>
+            <a:ext cx="9804585" cy="1303395"/>
           </a:xfrm>
         </p:spPr>
         <p:txBody>
@@ -4654,7 +4684,7 @@
           <a:p>
             <a:r>
               <a:rPr lang="ru-RU" dirty="0" smtClean="0"/>
-              <a:t>Базы данных</a:t>
+              <a:t>Изученные технологии</a:t>
             </a:r>
             <a:endParaRPr lang="ru-RU" dirty="0"/>
           </a:p>
@@ -4672,218 +4702,72 @@
         </p:nvSpPr>
         <p:spPr>
           <a:xfrm>
-            <a:off x="707690" y="1662545"/>
-            <a:ext cx="4543183" cy="4488174"/>
-          </a:xfrm>
-        </p:spPr>
-        <p:txBody>
-          <a:bodyPr/>
-          <a:lstStyle/>
-          <a:p>
+            <a:off x="1163626" y="1690256"/>
+            <a:ext cx="4418492" cy="4351337"/>
+          </a:xfrm>
+        </p:spPr>
+        <p:txBody>
+          <a:bodyPr/>
+          <a:lstStyle/>
+          <a:p>
+            <a:pPr marL="0" indent="0">
+              <a:buNone/>
+            </a:pPr>
+            <a:r>
+              <a:rPr lang="ru-RU" b="1" dirty="0" smtClean="0"/>
+              <a:t>В моем проекте использованы </a:t>
+            </a:r>
+            <a:r>
+              <a:rPr lang="ru-RU" b="1" dirty="0" smtClean="0"/>
+              <a:t>изученные </a:t>
+            </a:r>
+            <a:r>
+              <a:rPr lang="ru-RU" b="1" dirty="0" smtClean="0"/>
+              <a:t>технологии, а именно работа с несколькими</a:t>
+            </a:r>
+            <a:r>
+              <a:rPr lang="en-US" b="1" dirty="0" smtClean="0"/>
+              <a:t> </a:t>
+            </a:r>
+            <a:r>
+              <a:rPr lang="ru-RU" b="1" dirty="0" smtClean="0"/>
+              <a:t>шаблонами </a:t>
+            </a:r>
+            <a:r>
+              <a:rPr lang="en-US" b="1" dirty="0" smtClean="0"/>
+              <a:t>html</a:t>
+            </a:r>
+            <a:r>
+              <a:rPr lang="ru-RU" b="1" dirty="0" smtClean="0"/>
+              <a:t>, таблицами </a:t>
+            </a:r>
+            <a:r>
+              <a:rPr lang="en-US" b="1" dirty="0" err="1" smtClean="0"/>
+              <a:t>Sqlalchemy</a:t>
+            </a:r>
+            <a:r>
+              <a:rPr lang="ru-RU" b="1" dirty="0" smtClean="0"/>
+              <a:t>,</a:t>
+            </a:r>
             <a:r>
               <a:rPr lang="ru-RU" b="1" dirty="0"/>
-              <a:t>Две из них отвечают за хранение данных пользователей и информации о товарах. Две остальные за хранение данных о заказах.</a:t>
+              <a:t> </a:t>
+            </a:r>
+            <a:r>
+              <a:rPr lang="ru-RU" b="1" dirty="0" smtClean="0"/>
+              <a:t>использование компонентов </a:t>
+            </a:r>
+            <a:r>
+              <a:rPr lang="en-US" b="1" dirty="0" smtClean="0"/>
+              <a:t>Bootstrap</a:t>
             </a:r>
             <a:r>
               <a:rPr lang="en-US" b="1" dirty="0"/>
               <a:t> </a:t>
             </a:r>
             <a:r>
-              <a:rPr lang="ru-RU" b="1" dirty="0"/>
-              <a:t>Таблица </a:t>
-            </a:r>
-            <a:r>
-              <a:rPr lang="en-US" b="1" dirty="0" err="1"/>
-              <a:t>order_items</a:t>
-            </a:r>
-            <a:r>
-              <a:rPr lang="en-US" b="1" dirty="0"/>
-              <a:t> </a:t>
-            </a:r>
-            <a:r>
-              <a:rPr lang="ru-RU" b="1" dirty="0"/>
-              <a:t>связана сразу с двумя таблицами – </a:t>
-            </a:r>
-            <a:r>
-              <a:rPr lang="en-US" b="1" dirty="0" err="1"/>
-              <a:t>price_list</a:t>
-            </a:r>
-            <a:r>
-              <a:rPr lang="en-US" b="1" dirty="0"/>
-              <a:t> </a:t>
-            </a:r>
-            <a:r>
-              <a:rPr lang="ru-RU" b="1" dirty="0"/>
-              <a:t>и </a:t>
-            </a:r>
-            <a:r>
-              <a:rPr lang="en-US" b="1" dirty="0"/>
-              <a:t>orders</a:t>
-            </a:r>
-            <a:r>
-              <a:rPr lang="ru-RU" b="1" dirty="0"/>
-              <a:t>.</a:t>
-            </a:r>
-          </a:p>
-          <a:p>
-            <a:endParaRPr lang="ru-RU" dirty="0"/>
-          </a:p>
-        </p:txBody>
-      </p:sp>
-      <p:pic>
-        <p:nvPicPr>
-          <p:cNvPr id="4" name="Рисунок 3"/>
-          <p:cNvPicPr>
-            <a:picLocks noChangeAspect="1"/>
-          </p:cNvPicPr>
-          <p:nvPr/>
-        </p:nvPicPr>
-        <p:blipFill>
-          <a:blip r:embed="rId2"/>
-          <a:stretch>
-            <a:fillRect/>
-          </a:stretch>
-        </p:blipFill>
-        <p:spPr>
-          <a:xfrm>
-            <a:off x="6337705" y="1951782"/>
-            <a:ext cx="4339716" cy="1801391"/>
-          </a:xfrm>
-          <a:prstGeom prst="rect">
-            <a:avLst/>
-          </a:prstGeom>
-        </p:spPr>
-      </p:pic>
-      <p:pic>
-        <p:nvPicPr>
-          <p:cNvPr id="5" name="Рисунок 4"/>
-          <p:cNvPicPr>
-            <a:picLocks noChangeAspect="1"/>
-          </p:cNvPicPr>
-          <p:nvPr/>
-        </p:nvPicPr>
-        <p:blipFill>
-          <a:blip r:embed="rId3"/>
-          <a:stretch>
-            <a:fillRect/>
-          </a:stretch>
-        </p:blipFill>
-        <p:spPr>
-          <a:xfrm>
-            <a:off x="1652818" y="4520624"/>
-            <a:ext cx="4267562" cy="1725852"/>
-          </a:xfrm>
-          <a:prstGeom prst="rect">
-            <a:avLst/>
-          </a:prstGeom>
-        </p:spPr>
-      </p:pic>
-      <p:pic>
-        <p:nvPicPr>
-          <p:cNvPr id="7" name="Рисунок 6"/>
-          <p:cNvPicPr>
-            <a:picLocks noChangeAspect="1"/>
-          </p:cNvPicPr>
-          <p:nvPr/>
-        </p:nvPicPr>
-        <p:blipFill>
-          <a:blip r:embed="rId4"/>
-          <a:stretch>
-            <a:fillRect/>
-          </a:stretch>
-        </p:blipFill>
-        <p:spPr>
-          <a:xfrm>
-            <a:off x="6337705" y="4520624"/>
-            <a:ext cx="4496716" cy="1725852"/>
-          </a:xfrm>
-          <a:prstGeom prst="rect">
-            <a:avLst/>
-          </a:prstGeom>
-        </p:spPr>
-      </p:pic>
-      <p:sp>
-        <p:nvSpPr>
-          <p:cNvPr id="8" name="Прямоугольник 7"/>
-          <p:cNvSpPr/>
-          <p:nvPr/>
-        </p:nvSpPr>
-        <p:spPr>
-          <a:xfrm>
-            <a:off x="6302319" y="1317847"/>
-            <a:ext cx="1622481" cy="369332"/>
-          </a:xfrm>
-          <a:prstGeom prst="rect">
-            <a:avLst/>
-          </a:prstGeom>
-        </p:spPr>
-        <p:txBody>
-          <a:bodyPr wrap="square">
-            <a:spAutoFit/>
-          </a:bodyPr>
-          <a:lstStyle/>
-          <a:p>
-            <a:r>
-              <a:rPr lang="en-US" b="1" dirty="0" err="1" smtClean="0"/>
-              <a:t>order_items</a:t>
-            </a:r>
-            <a:endParaRPr lang="ru-RU" b="1" dirty="0"/>
-          </a:p>
-        </p:txBody>
-      </p:sp>
-      <p:sp>
-        <p:nvSpPr>
-          <p:cNvPr id="9" name="Прямоугольник 8"/>
-          <p:cNvSpPr/>
-          <p:nvPr/>
-        </p:nvSpPr>
-        <p:spPr>
-          <a:xfrm>
-            <a:off x="1685016" y="3991260"/>
-            <a:ext cx="1300356" cy="369332"/>
-          </a:xfrm>
-          <a:prstGeom prst="rect">
-            <a:avLst/>
-          </a:prstGeom>
-        </p:spPr>
-        <p:txBody>
-          <a:bodyPr wrap="none">
-            <a:spAutoFit/>
-          </a:bodyPr>
-          <a:lstStyle/>
-          <a:p>
-            <a:r>
-              <a:rPr lang="en-US" b="1" dirty="0" err="1"/>
-              <a:t>price_list</a:t>
-            </a:r>
-            <a:endParaRPr lang="ru-RU" b="1" dirty="0"/>
-          </a:p>
-        </p:txBody>
-      </p:sp>
-      <p:sp>
-        <p:nvSpPr>
-          <p:cNvPr id="10" name="Прямоугольник 9"/>
-          <p:cNvSpPr/>
-          <p:nvPr/>
-        </p:nvSpPr>
-        <p:spPr>
-          <a:xfrm>
-            <a:off x="6645224" y="3991260"/>
-            <a:ext cx="968535" cy="369332"/>
-          </a:xfrm>
-          <a:prstGeom prst="rect">
-            <a:avLst/>
-          </a:prstGeom>
-        </p:spPr>
-        <p:txBody>
-          <a:bodyPr wrap="none">
-            <a:spAutoFit/>
-          </a:bodyPr>
-          <a:lstStyle/>
-          <a:p>
-            <a:r>
-              <a:rPr lang="en-US" b="1" dirty="0"/>
-              <a:t>orders</a:t>
+              <a:rPr lang="ru-RU" b="1" dirty="0" smtClean="0"/>
+              <a:t>и многое другое.</a:t>
             </a:r>
             <a:endParaRPr lang="ru-RU" b="1" dirty="0"/>
           </a:p>
@@ -4892,7 +4776,7 @@
     </p:spTree>
     <p:extLst>
       <p:ext uri="{BB962C8B-B14F-4D97-AF65-F5344CB8AC3E}">
-        <p14:creationId xmlns:p14="http://schemas.microsoft.com/office/powerpoint/2010/main" val="1689927644"/>
+        <p14:creationId xmlns:p14="http://schemas.microsoft.com/office/powerpoint/2010/main" val="1224060843"/>
       </p:ext>
     </p:extLst>
   </p:cSld>
@@ -4936,19 +4820,14 @@
             <p:ph type="title"/>
           </p:nvPr>
         </p:nvSpPr>
-        <p:spPr>
-          <a:xfrm>
-            <a:off x="693835" y="0"/>
-            <a:ext cx="9692640" cy="1325562"/>
-          </a:xfrm>
-        </p:spPr>
+        <p:spPr/>
         <p:txBody>
           <a:bodyPr/>
           <a:lstStyle/>
           <a:p>
             <a:r>
               <a:rPr lang="ru-RU" dirty="0" smtClean="0"/>
-              <a:t>Особенности моего проекта</a:t>
+              <a:t>Заключение	</a:t>
             </a:r>
             <a:endParaRPr lang="ru-RU" dirty="0"/>
           </a:p>
@@ -4964,68 +4843,51 @@
             <p:ph idx="1"/>
           </p:nvPr>
         </p:nvSpPr>
-        <p:spPr>
-          <a:xfrm>
-            <a:off x="693835" y="1676400"/>
-            <a:ext cx="5138928" cy="4351337"/>
-          </a:xfrm>
-        </p:spPr>
-        <p:txBody>
-          <a:bodyPr/>
-          <a:lstStyle/>
-          <a:p>
+        <p:spPr/>
+        <p:txBody>
+          <a:bodyPr/>
+          <a:lstStyle/>
+          <a:p>
+            <a:r>
+              <a:rPr lang="ru-RU" b="1" dirty="0" smtClean="0"/>
+              <a:t>В процессе создания проекта </a:t>
+            </a:r>
+            <a:r>
+              <a:rPr lang="ru-RU" b="1" dirty="0" smtClean="0"/>
+              <a:t>я</a:t>
+            </a:r>
             <a:r>
               <a:rPr lang="ru-RU" b="1" dirty="0"/>
-              <a:t>Особенностью моего проекта является красивый дизайн оконных приложений, работа сразу с несколькими базами данных </a:t>
-            </a:r>
-            <a:r>
-              <a:rPr lang="en-US" b="1" dirty="0"/>
-              <a:t>SQL</a:t>
-            </a:r>
-            <a:r>
-              <a:rPr lang="ru-RU" b="1" dirty="0"/>
-              <a:t>, которые связаны между собой. </a:t>
-            </a:r>
-          </a:p>
-          <a:p>
-            <a:endParaRPr lang="ru-RU" dirty="0"/>
-          </a:p>
-        </p:txBody>
-      </p:sp>
-      <p:pic>
-        <p:nvPicPr>
-          <p:cNvPr id="5" name="Рисунок 4"/>
-          <p:cNvPicPr>
-            <a:picLocks noChangeAspect="1"/>
-          </p:cNvPicPr>
-          <p:nvPr/>
-        </p:nvPicPr>
-        <p:blipFill>
-          <a:blip r:embed="rId2">
-            <a:extLst>
-              <a:ext uri="{28A0092B-C50C-407E-A947-70E740481C1C}">
-                <a14:useLocalDpi xmlns:a14="http://schemas.microsoft.com/office/drawing/2010/main" val="0"/>
-              </a:ext>
-            </a:extLst>
-          </a:blip>
-          <a:stretch>
-            <a:fillRect/>
-          </a:stretch>
-        </p:blipFill>
-        <p:spPr>
-          <a:xfrm>
-            <a:off x="5540155" y="2401580"/>
-            <a:ext cx="5104078" cy="3626157"/>
-          </a:xfrm>
-          <a:prstGeom prst="rect">
-            <a:avLst/>
-          </a:prstGeom>
-        </p:spPr>
-      </p:pic>
+              <a:t> </a:t>
+            </a:r>
+            <a:r>
+              <a:rPr lang="ru-RU" b="1" dirty="0" smtClean="0"/>
+              <a:t>изучил библиотеку </a:t>
+            </a:r>
+            <a:r>
+              <a:rPr lang="en-US" b="1" dirty="0" smtClean="0"/>
+              <a:t>Flask</a:t>
+            </a:r>
+            <a:r>
+              <a:rPr lang="ru-RU" b="1" dirty="0" smtClean="0"/>
+              <a:t>, научился работать с формами и шаблонами </a:t>
+            </a:r>
+            <a:r>
+              <a:rPr lang="en-US" b="1" dirty="0" smtClean="0"/>
+              <a:t>html</a:t>
+            </a:r>
+            <a:r>
+              <a:rPr lang="ru-RU" b="1" dirty="0" smtClean="0"/>
+              <a:t>. </a:t>
+            </a:r>
+            <a:endParaRPr lang="ru-RU" b="1" dirty="0" smtClean="0"/>
+          </a:p>
+        </p:txBody>
+      </p:sp>
     </p:spTree>
     <p:extLst>
       <p:ext uri="{BB962C8B-B14F-4D97-AF65-F5344CB8AC3E}">
-        <p14:creationId xmlns:p14="http://schemas.microsoft.com/office/powerpoint/2010/main" val="2659084810"/>
+        <p14:creationId xmlns:p14="http://schemas.microsoft.com/office/powerpoint/2010/main" val="4142450817"/>
       </p:ext>
     </p:extLst>
   </p:cSld>
